--- a/course_material/week_22/week_22_presentation.pptx
+++ b/course_material/week_22/week_22_presentation.pptx
@@ -1831,7 +1831,7 @@
           <a:p>
             <a:fld id="{5CF9EFDB-215C-4120-ADCB-EAD745B7163E}" type="datetimeFigureOut">
               <a:rPr lang="en-US" smtClean="0"/>
-              <a:t>7/20/2021</a:t>
+              <a:t>7/28/2021</a:t>
             </a:fld>
             <a:endParaRPr lang="en-US"/>
           </a:p>
@@ -2502,6 +2502,90 @@
           <a:p>
             <a:fld id="{791F1524-C5FD-4370-8A10-5BE52A97A495}" type="slidenum">
               <a:rPr lang="en-US" smtClean="0"/>
+              <a:t>7</a:t>
+            </a:fld>
+            <a:endParaRPr lang="en-US"/>
+          </a:p>
+        </p:txBody>
+      </p:sp>
+    </p:spTree>
+    <p:extLst>
+      <p:ext uri="{BB962C8B-B14F-4D97-AF65-F5344CB8AC3E}">
+        <p14:creationId xmlns:p14="http://schemas.microsoft.com/office/powerpoint/2010/main" val="3018906745"/>
+      </p:ext>
+    </p:extLst>
+  </p:cSld>
+  <p:clrMapOvr>
+    <a:masterClrMapping/>
+  </p:clrMapOvr>
+</p:notes>
+</file>
+
+<file path=ppt/notesSlides/notesSlide6.xml><?xml version="1.0" encoding="utf-8"?>
+<p:notes xmlns:a="http://schemas.openxmlformats.org/drawingml/2006/main" xmlns:r="http://schemas.openxmlformats.org/officeDocument/2006/relationships" xmlns:p="http://schemas.openxmlformats.org/presentationml/2006/main">
+  <p:cSld>
+    <p:spTree>
+      <p:nvGrpSpPr>
+        <p:cNvPr id="1" name=""/>
+        <p:cNvGrpSpPr/>
+        <p:nvPr/>
+      </p:nvGrpSpPr>
+      <p:grpSpPr>
+        <a:xfrm>
+          <a:off x="0" y="0"/>
+          <a:ext cx="0" cy="0"/>
+          <a:chOff x="0" y="0"/>
+          <a:chExt cx="0" cy="0"/>
+        </a:xfrm>
+      </p:grpSpPr>
+      <p:sp>
+        <p:nvSpPr>
+          <p:cNvPr id="2" name="Slide Image Placeholder 1"/>
+          <p:cNvSpPr>
+            <a:spLocks noGrp="1" noRot="1" noChangeAspect="1"/>
+          </p:cNvSpPr>
+          <p:nvPr>
+            <p:ph type="sldImg"/>
+          </p:nvPr>
+        </p:nvSpPr>
+        <p:spPr/>
+      </p:sp>
+      <p:sp>
+        <p:nvSpPr>
+          <p:cNvPr id="3" name="Notes Placeholder 2"/>
+          <p:cNvSpPr>
+            <a:spLocks noGrp="1"/>
+          </p:cNvSpPr>
+          <p:nvPr>
+            <p:ph type="body" idx="1"/>
+          </p:nvPr>
+        </p:nvSpPr>
+        <p:spPr/>
+        <p:txBody>
+          <a:bodyPr/>
+          <a:lstStyle/>
+          <a:p>
+            <a:endParaRPr lang="en-US" dirty="0"/>
+          </a:p>
+        </p:txBody>
+      </p:sp>
+      <p:sp>
+        <p:nvSpPr>
+          <p:cNvPr id="4" name="Slide Number Placeholder 3"/>
+          <p:cNvSpPr>
+            <a:spLocks noGrp="1"/>
+          </p:cNvSpPr>
+          <p:nvPr>
+            <p:ph type="sldNum" sz="quarter" idx="5"/>
+          </p:nvPr>
+        </p:nvSpPr>
+        <p:spPr/>
+        <p:txBody>
+          <a:bodyPr/>
+          <a:lstStyle/>
+          <a:p>
+            <a:fld id="{791F1524-C5FD-4370-8A10-5BE52A97A495}" type="slidenum">
+              <a:rPr lang="en-US" smtClean="0"/>
               <a:t>8</a:t>
             </a:fld>
             <a:endParaRPr lang="en-US"/>
@@ -2521,7 +2605,7 @@
 </p:notes>
 </file>
 
-<file path=ppt/notesSlides/notesSlide6.xml><?xml version="1.0" encoding="utf-8"?>
+<file path=ppt/notesSlides/notesSlide7.xml><?xml version="1.0" encoding="utf-8"?>
 <p:notes xmlns:a="http://schemas.openxmlformats.org/drawingml/2006/main" xmlns:r="http://schemas.openxmlformats.org/officeDocument/2006/relationships" xmlns:p="http://schemas.openxmlformats.org/presentationml/2006/main">
   <p:cSld>
     <p:spTree>
@@ -2799,7 +2883,7 @@
           <a:p>
             <a:fld id="{ACF1A1B0-862D-4909-A7DB-D8ADA062DFCA}" type="datetimeFigureOut">
               <a:rPr lang="en-US" dirty="0"/>
-              <a:t>7/20/2021</a:t>
+              <a:t>7/28/2021</a:t>
             </a:fld>
             <a:endParaRPr lang="en-US"/>
           </a:p>
@@ -3022,7 +3106,7 @@
           <a:p>
             <a:fld id="{7B156144-9CB7-4E3A-B87E-A382F9BE05EF}" type="datetimeFigureOut">
               <a:rPr lang="en-US" dirty="0"/>
-              <a:t>7/20/2021</a:t>
+              <a:t>7/28/2021</a:t>
             </a:fld>
             <a:endParaRPr lang="en-US"/>
           </a:p>
@@ -3200,7 +3284,7 @@
           <a:p>
             <a:fld id="{2643D55F-46AB-4791-9172-4FA8DD3A6A9C}" type="datetimeFigureOut">
               <a:rPr lang="en-US" dirty="0"/>
-              <a:t>7/20/2021</a:t>
+              <a:t>7/28/2021</a:t>
             </a:fld>
             <a:endParaRPr lang="en-US"/>
           </a:p>
@@ -3368,7 +3452,7 @@
           <a:p>
             <a:fld id="{58026881-8A08-449C-8D73-E5F201F814C1}" type="datetimeFigureOut">
               <a:rPr lang="en-US" dirty="0"/>
-              <a:t>7/20/2021</a:t>
+              <a:t>7/28/2021</a:t>
             </a:fld>
             <a:endParaRPr lang="en-US"/>
           </a:p>
@@ -3658,7 +3742,7 @@
           <a:p>
             <a:fld id="{1BEB5A5E-0C07-4E93-A112-D37B4D166B30}" type="datetimeFigureOut">
               <a:rPr lang="en-US" dirty="0"/>
-              <a:t>7/20/2021</a:t>
+              <a:t>7/28/2021</a:t>
             </a:fld>
             <a:endParaRPr lang="en-US"/>
           </a:p>
@@ -3981,7 +4065,7 @@
           <a:p>
             <a:fld id="{9E1F71C5-DC57-4358-A1EA-30C08AF6E3C5}" type="datetimeFigureOut">
               <a:rPr lang="en-US" dirty="0"/>
-              <a:t>7/20/2021</a:t>
+              <a:t>7/28/2021</a:t>
             </a:fld>
             <a:endParaRPr lang="en-US"/>
           </a:p>
@@ -4390,7 +4474,7 @@
           <a:p>
             <a:fld id="{12571DBA-DE60-4731-B773-47AAA185C143}" type="datetimeFigureOut">
               <a:rPr lang="en-US" dirty="0"/>
-              <a:t>7/20/2021</a:t>
+              <a:t>7/28/2021</a:t>
             </a:fld>
             <a:endParaRPr lang="en-US"/>
           </a:p>
@@ -4507,7 +4591,7 @@
           <a:p>
             <a:fld id="{4F170639-886C-4FCF-9EAB-ABB5DA3F3F4A}" type="datetimeFigureOut">
               <a:rPr lang="en-US" dirty="0"/>
-              <a:t>7/20/2021</a:t>
+              <a:t>7/28/2021</a:t>
             </a:fld>
             <a:endParaRPr lang="en-US"/>
           </a:p>
@@ -4602,7 +4686,7 @@
           <a:p>
             <a:fld id="{34C4A628-C83B-4C66-83F4-1711CE3738FD}" type="datetimeFigureOut">
               <a:rPr lang="en-US" dirty="0"/>
-              <a:t>7/20/2021</a:t>
+              <a:t>7/28/2021</a:t>
             </a:fld>
             <a:endParaRPr lang="en-US"/>
           </a:p>
@@ -4887,7 +4971,7 @@
           <a:p>
             <a:fld id="{B88C1D73-9400-43CA-A37F-F9B7D00DE14C}" type="datetimeFigureOut">
               <a:rPr lang="en-US" dirty="0"/>
-              <a:t>7/20/2021</a:t>
+              <a:t>7/28/2021</a:t>
             </a:fld>
             <a:endParaRPr lang="en-US"/>
           </a:p>
@@ -5159,7 +5243,7 @@
           <a:p>
             <a:fld id="{188B7711-B905-4633-B4D7-6F3A49A2E7D9}" type="datetimeFigureOut">
               <a:rPr lang="en-US" dirty="0"/>
-              <a:t>7/20/2021</a:t>
+              <a:t>7/28/2021</a:t>
             </a:fld>
             <a:endParaRPr lang="en-US"/>
           </a:p>
@@ -5409,7 +5493,7 @@
             <a:fld id="{89C235CF-BDA2-4E7E-8BBD-350479985E74}" type="datetimeFigureOut">
               <a:rPr lang="en-US" dirty="0"/>
               <a:pPr/>
-              <a:t>7/20/2021</a:t>
+              <a:t>7/28/2021</a:t>
             </a:fld>
             <a:endParaRPr lang="en-US"/>
           </a:p>
@@ -6166,15 +6250,7 @@
           <a:p>
             <a:r>
               <a:rPr lang="en-US" dirty="0"/>
-              <a:t>Web </a:t>
-            </a:r>
-            <a:r>
-              <a:rPr lang="en-US"/>
-              <a:t>scraping (30 </a:t>
-            </a:r>
-            <a:r>
-              <a:rPr lang="en-US" dirty="0"/>
-              <a:t>mins)</a:t>
+              <a:t>Web scraping (30 mins)</a:t>
             </a:r>
           </a:p>
           <a:p>
@@ -6952,24 +7028,28 @@
                 <a:effectLst/>
                 <a:latin typeface="Slack-Lato"/>
               </a:rPr>
-              <a:t>CSSConjurer</a:t>
+              <a:t>MachineMagician</a:t>
             </a:r>
             <a:r>
               <a:rPr lang="en-US" b="0" i="0" dirty="0">
                 <a:solidFill>
-                  <a:srgbClr val="1D1C1D"/>
+                  <a:schemeClr val="tx1"/>
                 </a:solidFill>
                 <a:effectLst/>
+                <a:highlight>
+                  <a:srgbClr val="FFFF00"/>
+                </a:highlight>
                 <a:latin typeface="Slack-Lato"/>
               </a:rPr>
-              <a:t> </a:t>
+              <a:t>  </a:t>
             </a:r>
             <a:endParaRPr lang="en-US" dirty="0">
               <a:solidFill>
-                <a:schemeClr val="tx1">
-                  <a:lumMod val="95000"/>
-                </a:schemeClr>
+                <a:schemeClr val="tx1"/>
               </a:solidFill>
+              <a:highlight>
+                <a:srgbClr val="FFFF00"/>
+              </a:highlight>
             </a:endParaRPr>
           </a:p>
         </p:txBody>

--- a/course_material/week_22/week_22_presentation.pptx
+++ b/course_material/week_22/week_22_presentation.pptx
@@ -1831,7 +1831,7 @@
           <a:p>
             <a:fld id="{5CF9EFDB-215C-4120-ADCB-EAD745B7163E}" type="datetimeFigureOut">
               <a:rPr lang="en-US" smtClean="0"/>
-              <a:t>7/28/2021</a:t>
+              <a:t>7/29/2021</a:t>
             </a:fld>
             <a:endParaRPr lang="en-US"/>
           </a:p>
@@ -2883,7 +2883,7 @@
           <a:p>
             <a:fld id="{ACF1A1B0-862D-4909-A7DB-D8ADA062DFCA}" type="datetimeFigureOut">
               <a:rPr lang="en-US" dirty="0"/>
-              <a:t>7/28/2021</a:t>
+              <a:t>7/29/2021</a:t>
             </a:fld>
             <a:endParaRPr lang="en-US"/>
           </a:p>
@@ -3106,7 +3106,7 @@
           <a:p>
             <a:fld id="{7B156144-9CB7-4E3A-B87E-A382F9BE05EF}" type="datetimeFigureOut">
               <a:rPr lang="en-US" dirty="0"/>
-              <a:t>7/28/2021</a:t>
+              <a:t>7/29/2021</a:t>
             </a:fld>
             <a:endParaRPr lang="en-US"/>
           </a:p>
@@ -3284,7 +3284,7 @@
           <a:p>
             <a:fld id="{2643D55F-46AB-4791-9172-4FA8DD3A6A9C}" type="datetimeFigureOut">
               <a:rPr lang="en-US" dirty="0"/>
-              <a:t>7/28/2021</a:t>
+              <a:t>7/29/2021</a:t>
             </a:fld>
             <a:endParaRPr lang="en-US"/>
           </a:p>
@@ -3452,7 +3452,7 @@
           <a:p>
             <a:fld id="{58026881-8A08-449C-8D73-E5F201F814C1}" type="datetimeFigureOut">
               <a:rPr lang="en-US" dirty="0"/>
-              <a:t>7/28/2021</a:t>
+              <a:t>7/29/2021</a:t>
             </a:fld>
             <a:endParaRPr lang="en-US"/>
           </a:p>
@@ -3742,7 +3742,7 @@
           <a:p>
             <a:fld id="{1BEB5A5E-0C07-4E93-A112-D37B4D166B30}" type="datetimeFigureOut">
               <a:rPr lang="en-US" dirty="0"/>
-              <a:t>7/28/2021</a:t>
+              <a:t>7/29/2021</a:t>
             </a:fld>
             <a:endParaRPr lang="en-US"/>
           </a:p>
@@ -4065,7 +4065,7 @@
           <a:p>
             <a:fld id="{9E1F71C5-DC57-4358-A1EA-30C08AF6E3C5}" type="datetimeFigureOut">
               <a:rPr lang="en-US" dirty="0"/>
-              <a:t>7/28/2021</a:t>
+              <a:t>7/29/2021</a:t>
             </a:fld>
             <a:endParaRPr lang="en-US"/>
           </a:p>
@@ -4474,7 +4474,7 @@
           <a:p>
             <a:fld id="{12571DBA-DE60-4731-B773-47AAA185C143}" type="datetimeFigureOut">
               <a:rPr lang="en-US" dirty="0"/>
-              <a:t>7/28/2021</a:t>
+              <a:t>7/29/2021</a:t>
             </a:fld>
             <a:endParaRPr lang="en-US"/>
           </a:p>
@@ -4591,7 +4591,7 @@
           <a:p>
             <a:fld id="{4F170639-886C-4FCF-9EAB-ABB5DA3F3F4A}" type="datetimeFigureOut">
               <a:rPr lang="en-US" dirty="0"/>
-              <a:t>7/28/2021</a:t>
+              <a:t>7/29/2021</a:t>
             </a:fld>
             <a:endParaRPr lang="en-US"/>
           </a:p>
@@ -4686,7 +4686,7 @@
           <a:p>
             <a:fld id="{34C4A628-C83B-4C66-83F4-1711CE3738FD}" type="datetimeFigureOut">
               <a:rPr lang="en-US" dirty="0"/>
-              <a:t>7/28/2021</a:t>
+              <a:t>7/29/2021</a:t>
             </a:fld>
             <a:endParaRPr lang="en-US"/>
           </a:p>
@@ -4971,7 +4971,7 @@
           <a:p>
             <a:fld id="{B88C1D73-9400-43CA-A37F-F9B7D00DE14C}" type="datetimeFigureOut">
               <a:rPr lang="en-US" dirty="0"/>
-              <a:t>7/28/2021</a:t>
+              <a:t>7/29/2021</a:t>
             </a:fld>
             <a:endParaRPr lang="en-US"/>
           </a:p>
@@ -5243,7 +5243,7 @@
           <a:p>
             <a:fld id="{188B7711-B905-4633-B4D7-6F3A49A2E7D9}" type="datetimeFigureOut">
               <a:rPr lang="en-US" dirty="0"/>
-              <a:t>7/28/2021</a:t>
+              <a:t>7/29/2021</a:t>
             </a:fld>
             <a:endParaRPr lang="en-US"/>
           </a:p>
@@ -5493,7 +5493,7 @@
             <a:fld id="{89C235CF-BDA2-4E7E-8BBD-350479985E74}" type="datetimeFigureOut">
               <a:rPr lang="en-US" dirty="0"/>
               <a:pPr/>
-              <a:t>7/28/2021</a:t>
+              <a:t>7/29/2021</a:t>
             </a:fld>
             <a:endParaRPr lang="en-US"/>
           </a:p>
@@ -6641,6 +6641,22 @@
             </a:r>
           </a:p>
           <a:p>
+            <a:pPr lvl="1"/>
+            <a:r>
+              <a:rPr lang="en-US"/>
+              <a:t>Many </a:t>
+            </a:r>
+            <a:r>
+              <a:rPr lang="en-US" dirty="0"/>
+              <a:t>sites block tools like beautiful soup, so you must get creative with </a:t>
+            </a:r>
+            <a:r>
+              <a:rPr lang="en-US"/>
+              <a:t>other libraries.</a:t>
+            </a:r>
+            <a:endParaRPr lang="en-US" dirty="0"/>
+          </a:p>
+          <a:p>
             <a:endParaRPr lang="en-US" dirty="0"/>
           </a:p>
         </p:txBody>
@@ -6803,6 +6819,37 @@
                                           <p:spTgt spid="3">
                                             <p:txEl>
                                               <p:pRg st="4" end="4"/>
+                                            </p:txEl>
+                                          </p:spTgt>
+                                        </p:tgtEl>
+                                        <p:attrNameLst>
+                                          <p:attrName>style.visibility</p:attrName>
+                                        </p:attrNameLst>
+                                      </p:cBhvr>
+                                      <p:to>
+                                        <p:strVal val="visible"/>
+                                      </p:to>
+                                    </p:set>
+                                  </p:childTnLst>
+                                </p:cTn>
+                              </p:par>
+                              <p:par>
+                                <p:cTn id="15" presetID="1" presetClass="entr" presetSubtype="0" fill="hold" nodeType="withEffect">
+                                  <p:stCondLst>
+                                    <p:cond delay="0"/>
+                                  </p:stCondLst>
+                                  <p:childTnLst>
+                                    <p:set>
+                                      <p:cBhvr>
+                                        <p:cTn id="16" dur="1" fill="hold">
+                                          <p:stCondLst>
+                                            <p:cond delay="0"/>
+                                          </p:stCondLst>
+                                        </p:cTn>
+                                        <p:tgtEl>
+                                          <p:spTgt spid="3">
+                                            <p:txEl>
+                                              <p:pRg st="5" end="5"/>
                                             </p:txEl>
                                           </p:spTgt>
                                         </p:tgtEl>
